--- a/docs/module2-2_zotero2.pptx
+++ b/docs/module2-2_zotero2.pptx
@@ -207,7 +207,7 @@
           <a:p>
             <a:fld id="{91E9DC1B-7AD4-4493-BE2D-19F04AF919E8}" type="datetimeFigureOut">
               <a:rPr lang="fr-FR" smtClean="0"/>
-              <a:t>19/08/2021</a:t>
+              <a:t>23/06/2022</a:t>
             </a:fld>
             <a:endParaRPr lang="fr-FR"/>
           </a:p>
@@ -956,9 +956,9 @@
           <a:bodyPr/>
           <a:lstStyle/>
           <a:p>
-            <a:fld id="{5795AF1C-2AC0-4D52-9B36-186DC3BB1159}" type="datetime1">
-              <a:rPr lang="fr-FR" smtClean="0"/>
-              <a:t>19/08/2021</a:t>
+            <a:fld id="{E3CFCD0A-1996-43C7-B0A3-F2FC5923059C}" type="datetime1">
+              <a:rPr lang="fr-FR" smtClean="0"/>
+              <a:t>23/06/2022</a:t>
             </a:fld>
             <a:endParaRPr lang="fr-FR" dirty="0"/>
           </a:p>
@@ -981,7 +981,7 @@
           <a:p>
             <a:r>
               <a:rPr lang="fr-FR" smtClean="0"/>
-              <a:t>F. Flamerie - Zotero+ - 2021-06-03</a:t>
+              <a:t>F. Flamerie - Zotero+ - 2022-06-23</a:t>
             </a:r>
             <a:endParaRPr lang="fr-FR"/>
           </a:p>
@@ -1138,9 +1138,9 @@
           <a:bodyPr/>
           <a:lstStyle/>
           <a:p>
-            <a:fld id="{B00FE2F2-B4EF-4FF4-BA55-B222239E3339}" type="datetime1">
-              <a:rPr lang="fr-FR" smtClean="0"/>
-              <a:t>19/08/2021</a:t>
+            <a:fld id="{5195FBAE-CAD3-4E76-BA49-DED6572B00DA}" type="datetime1">
+              <a:rPr lang="fr-FR" smtClean="0"/>
+              <a:t>23/06/2022</a:t>
             </a:fld>
             <a:endParaRPr lang="fr-FR"/>
           </a:p>
@@ -1163,7 +1163,7 @@
           <a:p>
             <a:r>
               <a:rPr lang="fr-FR" smtClean="0"/>
-              <a:t>F. Flamerie - Zotero+ - 2021-06-03</a:t>
+              <a:t>F. Flamerie - Zotero+ - 2022-06-23</a:t>
             </a:r>
             <a:endParaRPr lang="fr-FR"/>
           </a:p>
@@ -1330,9 +1330,9 @@
           <a:bodyPr/>
           <a:lstStyle/>
           <a:p>
-            <a:fld id="{9D70BEE2-169E-4A95-B92D-AD40C386F610}" type="datetime1">
-              <a:rPr lang="fr-FR" smtClean="0"/>
-              <a:t>19/08/2021</a:t>
+            <a:fld id="{F4BA4386-51EA-47ED-A521-0964AE1E9295}" type="datetime1">
+              <a:rPr lang="fr-FR" smtClean="0"/>
+              <a:t>23/06/2022</a:t>
             </a:fld>
             <a:endParaRPr lang="fr-FR"/>
           </a:p>
@@ -1355,7 +1355,7 @@
           <a:p>
             <a:r>
               <a:rPr lang="fr-FR" smtClean="0"/>
-              <a:t>F. Flamerie - Zotero+ - 2021-06-03</a:t>
+              <a:t>F. Flamerie - Zotero+ - 2022-06-23</a:t>
             </a:r>
             <a:endParaRPr lang="fr-FR"/>
           </a:p>
@@ -1556,9 +1556,9 @@
             </a:lvl1pPr>
           </a:lstStyle>
           <a:p>
-            <a:fld id="{D5207117-9163-4C4C-BE38-F5772026C709}" type="datetime1">
-              <a:rPr lang="fr-FR" smtClean="0"/>
-              <a:t>19/08/2021</a:t>
+            <a:fld id="{96315243-4760-422B-B437-075A9FA63517}" type="datetime1">
+              <a:rPr lang="fr-FR" smtClean="0"/>
+              <a:t>23/06/2022</a:t>
             </a:fld>
             <a:endParaRPr lang="fr-FR" dirty="0"/>
           </a:p>
@@ -1587,7 +1587,7 @@
           <a:p>
             <a:r>
               <a:rPr lang="fr-FR" smtClean="0"/>
-              <a:t>F. Flamerie - Zotero+ - 2021-06-03</a:t>
+              <a:t>F. Flamerie - Zotero+ - 2022-06-23</a:t>
             </a:r>
             <a:endParaRPr lang="fr-FR" dirty="0"/>
           </a:p>
@@ -1834,9 +1834,9 @@
           <a:bodyPr/>
           <a:lstStyle/>
           <a:p>
-            <a:fld id="{B613E2C6-C0A7-472F-A8C1-16896F7F7CB2}" type="datetime1">
-              <a:rPr lang="fr-FR" smtClean="0"/>
-              <a:t>19/08/2021</a:t>
+            <a:fld id="{819317FC-3EF5-4289-9360-D4B421FE1D7C}" type="datetime1">
+              <a:rPr lang="fr-FR" smtClean="0"/>
+              <a:t>23/06/2022</a:t>
             </a:fld>
             <a:endParaRPr lang="fr-FR"/>
           </a:p>
@@ -1859,7 +1859,7 @@
           <a:p>
             <a:r>
               <a:rPr lang="fr-FR" smtClean="0"/>
-              <a:t>F. Flamerie - Zotero+ - 2021-06-03</a:t>
+              <a:t>F. Flamerie - Zotero+ - 2022-06-23</a:t>
             </a:r>
             <a:endParaRPr lang="fr-FR"/>
           </a:p>
@@ -2142,9 +2142,9 @@
           <a:bodyPr/>
           <a:lstStyle/>
           <a:p>
-            <a:fld id="{2308948A-E333-481E-8D9E-C5DB201EB77C}" type="datetime1">
-              <a:rPr lang="fr-FR" smtClean="0"/>
-              <a:t>19/08/2021</a:t>
+            <a:fld id="{E6C6AB36-15F6-4F78-B61C-65791353A0A4}" type="datetime1">
+              <a:rPr lang="fr-FR" smtClean="0"/>
+              <a:t>23/06/2022</a:t>
             </a:fld>
             <a:endParaRPr lang="fr-FR"/>
           </a:p>
@@ -2167,7 +2167,7 @@
           <a:p>
             <a:r>
               <a:rPr lang="fr-FR" smtClean="0"/>
-              <a:t>F. Flamerie - Zotero+ - 2021-06-03</a:t>
+              <a:t>F. Flamerie - Zotero+ - 2022-06-23</a:t>
             </a:r>
             <a:endParaRPr lang="fr-FR"/>
           </a:p>
@@ -2521,9 +2521,9 @@
           <a:bodyPr/>
           <a:lstStyle/>
           <a:p>
-            <a:fld id="{6436AC57-355F-4F0C-A8EB-7B89CEA53EAC}" type="datetime1">
-              <a:rPr lang="fr-FR" smtClean="0"/>
-              <a:t>19/08/2021</a:t>
+            <a:fld id="{5B368F2C-14CF-490F-A042-A04BB55769AE}" type="datetime1">
+              <a:rPr lang="fr-FR" smtClean="0"/>
+              <a:t>23/06/2022</a:t>
             </a:fld>
             <a:endParaRPr lang="fr-FR"/>
           </a:p>
@@ -2546,7 +2546,7 @@
           <a:p>
             <a:r>
               <a:rPr lang="fr-FR" smtClean="0"/>
-              <a:t>F. Flamerie - Zotero+ - 2021-06-03</a:t>
+              <a:t>F. Flamerie - Zotero+ - 2022-06-23</a:t>
             </a:r>
             <a:endParaRPr lang="fr-FR"/>
           </a:p>
@@ -2651,9 +2651,9 @@
           <a:bodyPr/>
           <a:lstStyle/>
           <a:p>
-            <a:fld id="{80A3E330-8E42-4C0F-B3C3-1E913061E3C2}" type="datetime1">
-              <a:rPr lang="fr-FR" smtClean="0"/>
-              <a:t>19/08/2021</a:t>
+            <a:fld id="{E7B8DF3E-8607-41BE-B5F7-0AE2D8EC0A0E}" type="datetime1">
+              <a:rPr lang="fr-FR" smtClean="0"/>
+              <a:t>23/06/2022</a:t>
             </a:fld>
             <a:endParaRPr lang="fr-FR"/>
           </a:p>
@@ -2676,7 +2676,7 @@
           <a:p>
             <a:r>
               <a:rPr lang="fr-FR" smtClean="0"/>
-              <a:t>F. Flamerie - Zotero+ - 2021-06-03</a:t>
+              <a:t>F. Flamerie - Zotero+ - 2022-06-23</a:t>
             </a:r>
             <a:endParaRPr lang="fr-FR"/>
           </a:p>
@@ -2758,9 +2758,9 @@
           <a:bodyPr/>
           <a:lstStyle/>
           <a:p>
-            <a:fld id="{D3950C67-D9D4-4B23-BCB9-64D4E95A5B83}" type="datetime1">
-              <a:rPr lang="fr-FR" smtClean="0"/>
-              <a:t>19/08/2021</a:t>
+            <a:fld id="{7FB6DEAF-0049-4643-A2FF-C9D5A21BEFCD}" type="datetime1">
+              <a:rPr lang="fr-FR" smtClean="0"/>
+              <a:t>23/06/2022</a:t>
             </a:fld>
             <a:endParaRPr lang="fr-FR"/>
           </a:p>
@@ -2783,7 +2783,7 @@
           <a:p>
             <a:r>
               <a:rPr lang="fr-FR" smtClean="0"/>
-              <a:t>F. Flamerie - Zotero+ - 2021-06-03</a:t>
+              <a:t>F. Flamerie - Zotero+ - 2022-06-23</a:t>
             </a:r>
             <a:endParaRPr lang="fr-FR"/>
           </a:p>
@@ -3047,9 +3047,9 @@
           <a:bodyPr/>
           <a:lstStyle/>
           <a:p>
-            <a:fld id="{2287F48B-01DF-4D58-AAA7-856CE36D10E7}" type="datetime1">
-              <a:rPr lang="fr-FR" smtClean="0"/>
-              <a:t>19/08/2021</a:t>
+            <a:fld id="{6A943422-CDCA-4318-9EAA-D5AF0ECC481F}" type="datetime1">
+              <a:rPr lang="fr-FR" smtClean="0"/>
+              <a:t>23/06/2022</a:t>
             </a:fld>
             <a:endParaRPr lang="fr-FR"/>
           </a:p>
@@ -3072,7 +3072,7 @@
           <a:p>
             <a:r>
               <a:rPr lang="fr-FR" smtClean="0"/>
-              <a:t>F. Flamerie - Zotero+ - 2021-06-03</a:t>
+              <a:t>F. Flamerie - Zotero+ - 2022-06-23</a:t>
             </a:r>
             <a:endParaRPr lang="fr-FR"/>
           </a:p>
@@ -3312,9 +3312,9 @@
           <a:bodyPr/>
           <a:lstStyle/>
           <a:p>
-            <a:fld id="{2DC68CEA-9292-4189-B63D-9809994D1474}" type="datetime1">
-              <a:rPr lang="fr-FR" smtClean="0"/>
-              <a:t>19/08/2021</a:t>
+            <a:fld id="{1B7A7572-28E2-42F8-B0DD-1BBACC73E44F}" type="datetime1">
+              <a:rPr lang="fr-FR" smtClean="0"/>
+              <a:t>23/06/2022</a:t>
             </a:fld>
             <a:endParaRPr lang="fr-FR"/>
           </a:p>
@@ -3337,7 +3337,7 @@
           <a:p>
             <a:r>
               <a:rPr lang="fr-FR" smtClean="0"/>
-              <a:t>F. Flamerie - Zotero+ - 2021-06-03</a:t>
+              <a:t>F. Flamerie - Zotero+ - 2022-06-23</a:t>
             </a:r>
             <a:endParaRPr lang="fr-FR"/>
           </a:p>
@@ -3531,7 +3531,7 @@
           <a:p>
             <a:r>
               <a:rPr lang="fr-FR" smtClean="0"/>
-              <a:t>F. Flamerie - Zotero+ - 2021-06-03</a:t>
+              <a:t>F. Flamerie - Zotero+ - 2022-06-23</a:t>
             </a:r>
             <a:endParaRPr lang="fr-FR"/>
           </a:p>
@@ -3974,7 +3974,7 @@
         </p:nvSpPr>
         <p:spPr bwMode="auto">
           <a:xfrm>
-            <a:off x="999449" y="-228600"/>
+            <a:off x="953729" y="-228600"/>
             <a:ext cx="12192000" cy="457200"/>
           </a:xfrm>
           <a:prstGeom prst="rect">
@@ -4335,7 +4335,7 @@
           <a:p>
             <a:r>
               <a:rPr lang="fr-FR" smtClean="0"/>
-              <a:t>F. Flamerie - Zotero+ - 2021-06-03</a:t>
+              <a:t>F. Flamerie - Zotero+ - 2022-06-23</a:t>
             </a:r>
             <a:endParaRPr lang="fr-FR"/>
           </a:p>
@@ -4478,7 +4478,7 @@
           <a:p>
             <a:r>
               <a:rPr lang="fr-FR" smtClean="0"/>
-              <a:t>F. Flamerie - Zotero+ - 2021-06-03</a:t>
+              <a:t>F. Flamerie - Zotero+ - 2022-06-23</a:t>
             </a:r>
             <a:endParaRPr lang="fr-FR" dirty="0"/>
           </a:p>
@@ -4614,11 +4614,14 @@
         </p:spPr>
         <p:txBody>
           <a:bodyPr>
-            <a:normAutofit lnSpcReduction="10000"/>
+            <a:normAutofit fontScale="92500" lnSpcReduction="20000"/>
           </a:bodyPr>
           <a:lstStyle/>
           <a:p>
             <a:pPr marL="0" indent="0">
+              <a:lnSpc>
+                <a:spcPct val="110000"/>
+              </a:lnSpc>
               <a:buNone/>
             </a:pPr>
             <a:r>
@@ -4628,6 +4631,9 @@
           </a:p>
           <a:p>
             <a:pPr marL="0" indent="0">
+              <a:lnSpc>
+                <a:spcPct val="110000"/>
+              </a:lnSpc>
               <a:buNone/>
             </a:pPr>
             <a:r>
@@ -4638,11 +4644,19 @@
           </a:p>
           <a:p>
             <a:pPr marL="0" indent="0">
+              <a:lnSpc>
+                <a:spcPct val="110000"/>
+              </a:lnSpc>
               <a:buNone/>
             </a:pPr>
             <a:endParaRPr lang="fr-FR" sz="2000" i="1" dirty="0" smtClean="0"/>
           </a:p>
           <a:p>
+            <a:pPr>
+              <a:lnSpc>
+                <a:spcPct val="110000"/>
+              </a:lnSpc>
+            </a:pPr>
             <a:r>
               <a:rPr lang="fr-FR" dirty="0" smtClean="0"/>
               <a:t> </a:t>
@@ -4653,6 +4667,11 @@
             </a:r>
           </a:p>
           <a:p>
+            <a:pPr>
+              <a:lnSpc>
+                <a:spcPct val="110000"/>
+              </a:lnSpc>
+            </a:pPr>
             <a:r>
               <a:rPr lang="fr-FR" sz="3600" dirty="0" smtClean="0"/>
               <a:t> Optimiser </a:t>
@@ -4668,6 +4687,11 @@
             <a:endParaRPr lang="fr-FR" sz="3600" dirty="0"/>
           </a:p>
           <a:p>
+            <a:pPr>
+              <a:lnSpc>
+                <a:spcPct val="110000"/>
+              </a:lnSpc>
+            </a:pPr>
             <a:r>
               <a:rPr lang="fr-FR" sz="3600" dirty="0"/>
               <a:t> </a:t>
@@ -4701,7 +4725,7 @@
           <a:p>
             <a:r>
               <a:rPr lang="fr-FR" smtClean="0"/>
-              <a:t>F. Flamerie - Zotero+ - 2021-06-03</a:t>
+              <a:t>F. Flamerie - Zotero+ - 2022-06-23</a:t>
             </a:r>
             <a:endParaRPr lang="fr-FR" dirty="0"/>
           </a:p>
@@ -4847,7 +4871,7 @@
           <a:p>
             <a:r>
               <a:rPr lang="fr-FR" smtClean="0"/>
-              <a:t>F. Flamerie - Zotero+ - 2021-06-03</a:t>
+              <a:t>F. Flamerie - Zotero+ - 2022-06-23</a:t>
             </a:r>
             <a:endParaRPr lang="fr-FR" dirty="0"/>
           </a:p>
@@ -4956,8 +4980,8 @@
         </p:nvSpPr>
         <p:spPr>
           <a:xfrm>
-            <a:off x="838200" y="-635"/>
-            <a:ext cx="10515600" cy="1325563"/>
+            <a:off x="381000" y="59848"/>
+            <a:ext cx="5631180" cy="1325563"/>
           </a:xfrm>
         </p:spPr>
         <p:txBody>
@@ -4966,7 +4990,7 @@
           <a:p>
             <a:r>
               <a:rPr lang="fr-FR" dirty="0" smtClean="0"/>
-              <a:t>Synchroniser sa bibliothèque</a:t>
+              <a:t>Synchroniser Zotero</a:t>
             </a:r>
             <a:endParaRPr lang="fr-FR" dirty="0"/>
           </a:p>
@@ -4984,131 +5008,147 @@
         </p:nvSpPr>
         <p:spPr>
           <a:xfrm>
-            <a:off x="838200" y="1087755"/>
-            <a:ext cx="5359400" cy="5268595"/>
+            <a:off x="292100" y="1224280"/>
+            <a:ext cx="5608320" cy="5633720"/>
           </a:xfrm>
         </p:spPr>
         <p:txBody>
-          <a:bodyPr/>
-          <a:lstStyle/>
-          <a:p>
+          <a:bodyPr>
+            <a:noAutofit/>
+          </a:bodyPr>
+          <a:lstStyle/>
+          <a:p>
+            <a:pPr>
+              <a:lnSpc>
+                <a:spcPct val="100000"/>
+              </a:lnSpc>
+            </a:pPr>
+            <a:r>
+              <a:rPr lang="fr-FR" sz="2400" dirty="0" smtClean="0"/>
+              <a:t> </a:t>
+            </a:r>
             <a:r>
               <a:rPr lang="fr-FR" dirty="0" smtClean="0"/>
-              <a:t> La synchronisation peut concerner </a:t>
-            </a:r>
-          </a:p>
-          <a:p>
-            <a:pPr lvl="1"/>
+              <a:t>La synchronisation peut concerner </a:t>
+            </a:r>
+          </a:p>
+          <a:p>
+            <a:pPr lvl="1">
+              <a:lnSpc>
+                <a:spcPct val="100000"/>
+              </a:lnSpc>
+              <a:spcBef>
+                <a:spcPts val="0"/>
+              </a:spcBef>
+            </a:pPr>
+            <a:r>
+              <a:rPr lang="fr-FR" sz="2800" dirty="0" smtClean="0"/>
+              <a:t>seulement les références bibliographiques (les </a:t>
+            </a:r>
+            <a:r>
+              <a:rPr lang="fr-FR" sz="2800" b="1" dirty="0" smtClean="0"/>
+              <a:t>données</a:t>
+            </a:r>
+            <a:r>
+              <a:rPr lang="fr-FR" sz="2800" dirty="0" smtClean="0"/>
+              <a:t>)</a:t>
+            </a:r>
+          </a:p>
+          <a:p>
+            <a:pPr lvl="1">
+              <a:lnSpc>
+                <a:spcPct val="100000"/>
+              </a:lnSpc>
+              <a:spcBef>
+                <a:spcPts val="0"/>
+              </a:spcBef>
+            </a:pPr>
+            <a:r>
+              <a:rPr lang="fr-FR" sz="2800" dirty="0" smtClean="0"/>
+              <a:t>les références bibliographiques et les fichiers joints (les </a:t>
+            </a:r>
+            <a:r>
+              <a:rPr lang="fr-FR" sz="2800" b="1" dirty="0" smtClean="0"/>
+              <a:t>fichiers</a:t>
+            </a:r>
+            <a:r>
+              <a:rPr lang="fr-FR" sz="2800" dirty="0" smtClean="0"/>
+              <a:t>)</a:t>
+            </a:r>
+          </a:p>
+          <a:p>
+            <a:pPr lvl="1">
+              <a:lnSpc>
+                <a:spcPct val="100000"/>
+              </a:lnSpc>
+              <a:spcBef>
+                <a:spcPts val="0"/>
+              </a:spcBef>
+            </a:pPr>
+            <a:r>
+              <a:rPr lang="fr-FR" sz="2800" dirty="0" smtClean="0"/>
+              <a:t>seulement une partie des bibliothèques</a:t>
+            </a:r>
+          </a:p>
+          <a:p>
+            <a:pPr>
+              <a:lnSpc>
+                <a:spcPct val="100000"/>
+              </a:lnSpc>
+            </a:pPr>
             <a:r>
               <a:rPr lang="fr-FR" dirty="0" smtClean="0"/>
-              <a:t>seulement les références bibliographiques (les données)</a:t>
-            </a:r>
-          </a:p>
-          <a:p>
-            <a:pPr lvl="1"/>
+              <a:t>Tout </a:t>
+            </a:r>
+            <a:r>
+              <a:rPr lang="fr-FR" dirty="0"/>
+              <a:t>ce que vous enregistrez dans une bibliothèque Zotero reste dans tous les cas </a:t>
+            </a:r>
+            <a:r>
+              <a:rPr lang="fr-FR" b="1" dirty="0"/>
+              <a:t>stocké en local </a:t>
+            </a:r>
+            <a:r>
+              <a:rPr lang="fr-FR" dirty="0"/>
+              <a:t>sur votre ordinateur et par conséquent </a:t>
+            </a:r>
             <a:r>
               <a:rPr lang="fr-FR" dirty="0" smtClean="0"/>
-              <a:t>les références bibliographiques et les fichiers joints (les fichiers)</a:t>
-            </a:r>
-          </a:p>
-          <a:p>
-            <a:pPr lvl="1"/>
+              <a:t>disponible sans </a:t>
+            </a:r>
+            <a:r>
+              <a:rPr lang="fr-FR" dirty="0"/>
+              <a:t>connexion internet. </a:t>
+            </a:r>
+            <a:endParaRPr lang="fr-FR" dirty="0" smtClean="0"/>
+          </a:p>
+        </p:txBody>
+      </p:sp>
+      <p:sp>
+        <p:nvSpPr>
+          <p:cNvPr id="4" name="Espace réservé du pied de page 3"/>
+          <p:cNvSpPr>
+            <a:spLocks noGrp="1"/>
+          </p:cNvSpPr>
+          <p:nvPr>
+            <p:ph type="ftr" sz="quarter" idx="11"/>
+          </p:nvPr>
+        </p:nvSpPr>
+        <p:spPr>
+          <a:xfrm>
+            <a:off x="2987040" y="6501606"/>
+            <a:ext cx="4114800" cy="365125"/>
+          </a:xfrm>
+        </p:spPr>
+        <p:txBody>
+          <a:bodyPr/>
+          <a:lstStyle/>
+          <a:p>
             <a:r>
               <a:rPr lang="fr-FR" dirty="0" smtClean="0"/>
-              <a:t>seulement une partie des bibliothèques</a:t>
-            </a:r>
-          </a:p>
-          <a:p>
-            <a:r>
-              <a:rPr lang="fr-FR" dirty="0"/>
-              <a:t> </a:t>
-            </a:r>
-            <a:r>
-              <a:rPr lang="fr-FR" b="1" dirty="0" smtClean="0"/>
-              <a:t>/!\</a:t>
-            </a:r>
-            <a:r>
-              <a:rPr lang="fr-FR" dirty="0" smtClean="0"/>
-              <a:t> La synchronisation n’est pas une sauvegarde</a:t>
-            </a:r>
-          </a:p>
-          <a:p>
-            <a:r>
-              <a:rPr lang="fr-FR" dirty="0"/>
-              <a:t> </a:t>
-            </a:r>
-            <a:r>
-              <a:rPr lang="fr-FR" dirty="0" smtClean="0"/>
-              <a:t>Documentation Zotero : </a:t>
-            </a:r>
-          </a:p>
-          <a:p>
-            <a:pPr lvl="1"/>
-            <a:r>
-              <a:rPr lang="fr-FR" u="sng" dirty="0" smtClean="0">
-                <a:hlinkClick r:id="rId2"/>
-              </a:rPr>
-              <a:t>Préférences </a:t>
-            </a:r>
-            <a:r>
-              <a:rPr lang="fr-FR" u="sng" dirty="0">
-                <a:hlinkClick r:id="rId2"/>
-              </a:rPr>
-              <a:t>&gt; </a:t>
-            </a:r>
-            <a:r>
-              <a:rPr lang="fr-FR" u="sng" dirty="0" smtClean="0">
-                <a:hlinkClick r:id="rId2"/>
-              </a:rPr>
-              <a:t>Synchronisation</a:t>
-            </a:r>
-            <a:endParaRPr lang="fr-FR" u="sng" dirty="0" smtClean="0"/>
-          </a:p>
-          <a:p>
-            <a:pPr lvl="1"/>
-            <a:r>
-              <a:rPr lang="fr-FR" u="sng" dirty="0" smtClean="0">
-                <a:hlinkClick r:id="rId3"/>
-              </a:rPr>
-              <a:t>Le </a:t>
-            </a:r>
-            <a:r>
-              <a:rPr lang="fr-FR" u="sng" dirty="0">
-                <a:hlinkClick r:id="rId3"/>
-              </a:rPr>
-              <a:t>répertoire de données Zotero</a:t>
+              <a:t>F. Flamerie - Zotero+ - 2022-06-23</a:t>
             </a:r>
             <a:endParaRPr lang="fr-FR" dirty="0"/>
-          </a:p>
-          <a:p>
-            <a:pPr lvl="1"/>
-            <a:endParaRPr lang="fr-FR" dirty="0"/>
-          </a:p>
-          <a:p>
-            <a:endParaRPr lang="fr-FR" dirty="0"/>
-          </a:p>
-        </p:txBody>
-      </p:sp>
-      <p:sp>
-        <p:nvSpPr>
-          <p:cNvPr id="4" name="Espace réservé du pied de page 3"/>
-          <p:cNvSpPr>
-            <a:spLocks noGrp="1"/>
-          </p:cNvSpPr>
-          <p:nvPr>
-            <p:ph type="ftr" sz="quarter" idx="11"/>
-          </p:nvPr>
-        </p:nvSpPr>
-        <p:spPr/>
-        <p:txBody>
-          <a:bodyPr/>
-          <a:lstStyle/>
-          <a:p>
-            <a:r>
-              <a:rPr lang="fr-FR" smtClean="0"/>
-              <a:t>F. Flamerie - Zotero+ - 2021-06-03</a:t>
-            </a:r>
-            <a:endParaRPr lang="fr-FR"/>
           </a:p>
         </p:txBody>
       </p:sp>
@@ -5135,15 +5175,115 @@
           </a:p>
         </p:txBody>
       </p:sp>
+      <p:sp>
+        <p:nvSpPr>
+          <p:cNvPr id="2" name="Rectangle 1"/>
+          <p:cNvSpPr/>
+          <p:nvPr/>
+        </p:nvSpPr>
+        <p:spPr>
+          <a:xfrm>
+            <a:off x="6209030" y="5318343"/>
+            <a:ext cx="5886708" cy="1323439"/>
+          </a:xfrm>
+          <a:prstGeom prst="rect">
+            <a:avLst/>
+          </a:prstGeom>
+          <a:noFill/>
+        </p:spPr>
+        <p:txBody>
+          <a:bodyPr wrap="square">
+            <a:spAutoFit/>
+          </a:bodyPr>
+          <a:lstStyle/>
+          <a:p>
+            <a:pPr>
+              <a:lnSpc>
+                <a:spcPct val="100000"/>
+              </a:lnSpc>
+            </a:pPr>
+            <a:r>
+              <a:rPr lang="fr-FR" sz="2000" dirty="0">
+                <a:latin typeface="Corbel" panose="020B0503020204020204" pitchFamily="34" charset="0"/>
+              </a:rPr>
+              <a:t> </a:t>
+            </a:r>
+            <a:r>
+              <a:rPr lang="fr-FR" sz="2000" b="1" dirty="0">
+                <a:latin typeface="Corbel" panose="020B0503020204020204" pitchFamily="34" charset="0"/>
+              </a:rPr>
+              <a:t>/!\</a:t>
+            </a:r>
+            <a:r>
+              <a:rPr lang="fr-FR" sz="2000" dirty="0">
+                <a:latin typeface="Corbel" panose="020B0503020204020204" pitchFamily="34" charset="0"/>
+              </a:rPr>
+              <a:t> </a:t>
+            </a:r>
+            <a:r>
+              <a:rPr lang="fr-FR" sz="2000" b="1" dirty="0">
+                <a:latin typeface="Corbel" panose="020B0503020204020204" pitchFamily="34" charset="0"/>
+              </a:rPr>
+              <a:t>La synchronisation n’est pas une sauvegarde - </a:t>
+            </a:r>
+            <a:r>
+              <a:rPr lang="fr-FR" sz="2000" dirty="0">
+                <a:latin typeface="Corbel" panose="020B0503020204020204" pitchFamily="34" charset="0"/>
+              </a:rPr>
+              <a:t>Documentation Zotero : </a:t>
+            </a:r>
+          </a:p>
+          <a:p>
+            <a:pPr lvl="1">
+              <a:lnSpc>
+                <a:spcPct val="100000"/>
+              </a:lnSpc>
+              <a:spcBef>
+                <a:spcPts val="0"/>
+              </a:spcBef>
+            </a:pPr>
+            <a:r>
+              <a:rPr lang="fr-FR" sz="2000" u="sng" dirty="0">
+                <a:latin typeface="Corbel" panose="020B0503020204020204" pitchFamily="34" charset="0"/>
+                <a:hlinkClick r:id="rId2"/>
+              </a:rPr>
+              <a:t>Préférences &gt; Synchronisation</a:t>
+            </a:r>
+            <a:endParaRPr lang="fr-FR" sz="2000" u="sng" dirty="0">
+              <a:latin typeface="Corbel" panose="020B0503020204020204" pitchFamily="34" charset="0"/>
+            </a:endParaRPr>
+          </a:p>
+          <a:p>
+            <a:pPr lvl="1">
+              <a:lnSpc>
+                <a:spcPct val="100000"/>
+              </a:lnSpc>
+              <a:spcBef>
+                <a:spcPts val="0"/>
+              </a:spcBef>
+            </a:pPr>
+            <a:r>
+              <a:rPr lang="fr-FR" sz="2000" u="sng" dirty="0">
+                <a:latin typeface="Corbel" panose="020B0503020204020204" pitchFamily="34" charset="0"/>
+                <a:hlinkClick r:id="rId3"/>
+              </a:rPr>
+              <a:t>Le répertoire de données Zotero</a:t>
+            </a:r>
+            <a:endParaRPr lang="fr-FR" sz="2000" b="1" dirty="0">
+              <a:latin typeface="Corbel" panose="020B0503020204020204" pitchFamily="34" charset="0"/>
+            </a:endParaRPr>
+          </a:p>
+        </p:txBody>
+      </p:sp>
       <p:pic>
         <p:nvPicPr>
-          <p:cNvPr id="8" name="Image 7"/>
+          <p:cNvPr id="3" name="Image 2"/>
           <p:cNvPicPr>
             <a:picLocks noChangeAspect="1"/>
           </p:cNvPicPr>
           <p:nvPr/>
         </p:nvPicPr>
-        <p:blipFill rotWithShape="1">
+        <p:blipFill>
           <a:blip r:embed="rId4">
             <a:extLst>
               <a:ext uri="{28A0092B-C50C-407E-A947-70E740481C1C}">
@@ -5151,13 +5291,14 @@
               </a:ext>
             </a:extLst>
           </a:blip>
-          <a:srcRect l="1092" t="1030"/>
-          <a:stretch/>
+          <a:stretch>
+            <a:fillRect/>
+          </a:stretch>
         </p:blipFill>
         <p:spPr>
           <a:xfrm>
-            <a:off x="6197600" y="1199197"/>
-            <a:ext cx="5886708" cy="5045710"/>
+            <a:off x="6144002" y="162718"/>
+            <a:ext cx="5951736" cy="5098222"/>
           </a:xfrm>
           <a:prstGeom prst="rect">
             <a:avLst/>
@@ -5368,7 +5509,7 @@
           <a:p>
             <a:r>
               <a:rPr lang="fr-FR" smtClean="0"/>
-              <a:t>F. Flamerie - Zotero+ - 2021-06-03</a:t>
+              <a:t>F. Flamerie - Zotero+ - 2022-06-23</a:t>
             </a:r>
             <a:endParaRPr lang="fr-FR"/>
           </a:p>
@@ -5575,7 +5716,7 @@
           <a:p>
             <a:r>
               <a:rPr lang="fr-FR" smtClean="0"/>
-              <a:t>F. Flamerie - Zotero+ - 2021-06-03</a:t>
+              <a:t>F. Flamerie - Zotero+ - 2022-06-23</a:t>
             </a:r>
             <a:endParaRPr lang="fr-FR"/>
           </a:p>
@@ -5653,7 +5794,7 @@
         </p:nvSpPr>
         <p:spPr>
           <a:xfrm>
-            <a:off x="330200" y="305449"/>
+            <a:off x="280650" y="66747"/>
             <a:ext cx="10515600" cy="1325563"/>
           </a:xfrm>
         </p:spPr>
@@ -5681,13 +5822,13 @@
         </p:nvSpPr>
         <p:spPr>
           <a:xfrm>
-            <a:off x="200700" y="1720158"/>
-            <a:ext cx="4889459" cy="4294562"/>
+            <a:off x="200700" y="1392310"/>
+            <a:ext cx="5109150" cy="5465690"/>
           </a:xfrm>
         </p:spPr>
         <p:txBody>
           <a:bodyPr>
-            <a:normAutofit fontScale="77500" lnSpcReduction="20000"/>
+            <a:normAutofit fontScale="85000" lnSpcReduction="10000"/>
           </a:bodyPr>
           <a:lstStyle/>
           <a:p>
@@ -5776,7 +5917,7 @@
           <a:p>
             <a:r>
               <a:rPr lang="fr-FR" smtClean="0"/>
-              <a:t>F. Flamerie - Zotero+ - 2021-06-03</a:t>
+              <a:t>F. Flamerie - Zotero+ - 2022-06-23</a:t>
             </a:r>
             <a:endParaRPr lang="fr-FR"/>
           </a:p>
@@ -5827,7 +5968,7 @@
         </p:blipFill>
         <p:spPr>
           <a:xfrm>
-            <a:off x="5264130" y="1392310"/>
+            <a:off x="5767050" y="1392310"/>
             <a:ext cx="6089670" cy="4230229"/>
           </a:xfrm>
           <a:prstGeom prst="rect">
@@ -5949,7 +6090,7 @@
           <a:p>
             <a:r>
               <a:rPr lang="fr-FR" smtClean="0"/>
-              <a:t>F. Flamerie - Zotero+ - 2021-06-03</a:t>
+              <a:t>F. Flamerie - Zotero+ - 2022-06-23</a:t>
             </a:r>
             <a:endParaRPr lang="fr-FR" dirty="0"/>
           </a:p>
@@ -6091,7 +6232,7 @@
         </p:spPr>
         <p:txBody>
           <a:bodyPr>
-            <a:normAutofit fontScale="92500" lnSpcReduction="20000"/>
+            <a:normAutofit/>
           </a:bodyPr>
           <a:lstStyle/>
           <a:p>
@@ -6243,29 +6384,6 @@
             </a:r>
             <a:endParaRPr lang="fr-FR" dirty="0"/>
           </a:p>
-          <a:p>
-            <a:pPr>
-              <a:lnSpc>
-                <a:spcPct val="120000"/>
-              </a:lnSpc>
-            </a:pPr>
-            <a:r>
-              <a:rPr lang="fr-FR" dirty="0"/>
-              <a:t>    Extraire les </a:t>
-            </a:r>
-            <a:r>
-              <a:rPr lang="fr-FR" dirty="0">
-                <a:solidFill>
-                  <a:srgbClr val="009DE0"/>
-                </a:solidFill>
-              </a:rPr>
-              <a:t>annotations</a:t>
-            </a:r>
-            <a:r>
-              <a:rPr lang="fr-FR" dirty="0"/>
-              <a:t> et le texte surligné des PDF et les restituer dans des notes Zotero.</a:t>
-            </a:r>
-          </a:p>
         </p:txBody>
       </p:sp>
       <p:sp>
@@ -6285,7 +6403,7 @@
           <a:p>
             <a:r>
               <a:rPr lang="fr-FR" smtClean="0"/>
-              <a:t>F. Flamerie - Zotero+ - 2021-06-03</a:t>
+              <a:t>F. Flamerie - Zotero+ - 2022-06-23</a:t>
             </a:r>
             <a:endParaRPr lang="fr-FR"/>
           </a:p>

--- a/docs/module2-2_zotero2.pptx
+++ b/docs/module2-2_zotero2.pptx
@@ -207,7 +207,7 @@
           <a:p>
             <a:fld id="{91E9DC1B-7AD4-4493-BE2D-19F04AF919E8}" type="datetimeFigureOut">
               <a:rPr lang="fr-FR" smtClean="0"/>
-              <a:t>23/06/2022</a:t>
+              <a:t>05/06/2023</a:t>
             </a:fld>
             <a:endParaRPr lang="fr-FR"/>
           </a:p>
@@ -956,9 +956,9 @@
           <a:bodyPr/>
           <a:lstStyle/>
           <a:p>
-            <a:fld id="{E3CFCD0A-1996-43C7-B0A3-F2FC5923059C}" type="datetime1">
-              <a:rPr lang="fr-FR" smtClean="0"/>
-              <a:t>23/06/2022</a:t>
+            <a:fld id="{0A7F0A12-75A0-486A-B3DA-09649681BCFF}" type="datetime1">
+              <a:rPr lang="fr-FR" smtClean="0"/>
+              <a:t>05/06/2023</a:t>
             </a:fld>
             <a:endParaRPr lang="fr-FR" dirty="0"/>
           </a:p>
@@ -981,7 +981,7 @@
           <a:p>
             <a:r>
               <a:rPr lang="fr-FR" smtClean="0"/>
-              <a:t>F. Flamerie - Zotero+ - 2022-06-23</a:t>
+              <a:t>F. Flamerie - Zotero+ - 2023-04-05</a:t>
             </a:r>
             <a:endParaRPr lang="fr-FR"/>
           </a:p>
@@ -1138,9 +1138,9 @@
           <a:bodyPr/>
           <a:lstStyle/>
           <a:p>
-            <a:fld id="{5195FBAE-CAD3-4E76-BA49-DED6572B00DA}" type="datetime1">
-              <a:rPr lang="fr-FR" smtClean="0"/>
-              <a:t>23/06/2022</a:t>
+            <a:fld id="{800D22CB-0157-4DCE-8490-5150F818F745}" type="datetime1">
+              <a:rPr lang="fr-FR" smtClean="0"/>
+              <a:t>05/06/2023</a:t>
             </a:fld>
             <a:endParaRPr lang="fr-FR"/>
           </a:p>
@@ -1163,7 +1163,7 @@
           <a:p>
             <a:r>
               <a:rPr lang="fr-FR" smtClean="0"/>
-              <a:t>F. Flamerie - Zotero+ - 2022-06-23</a:t>
+              <a:t>F. Flamerie - Zotero+ - 2023-04-05</a:t>
             </a:r>
             <a:endParaRPr lang="fr-FR"/>
           </a:p>
@@ -1330,9 +1330,9 @@
           <a:bodyPr/>
           <a:lstStyle/>
           <a:p>
-            <a:fld id="{F4BA4386-51EA-47ED-A521-0964AE1E9295}" type="datetime1">
-              <a:rPr lang="fr-FR" smtClean="0"/>
-              <a:t>23/06/2022</a:t>
+            <a:fld id="{4F5F54B7-3018-4ADF-957E-E4FBA7296F99}" type="datetime1">
+              <a:rPr lang="fr-FR" smtClean="0"/>
+              <a:t>05/06/2023</a:t>
             </a:fld>
             <a:endParaRPr lang="fr-FR"/>
           </a:p>
@@ -1355,7 +1355,7 @@
           <a:p>
             <a:r>
               <a:rPr lang="fr-FR" smtClean="0"/>
-              <a:t>F. Flamerie - Zotero+ - 2022-06-23</a:t>
+              <a:t>F. Flamerie - Zotero+ - 2023-04-05</a:t>
             </a:r>
             <a:endParaRPr lang="fr-FR"/>
           </a:p>
@@ -1556,9 +1556,9 @@
             </a:lvl1pPr>
           </a:lstStyle>
           <a:p>
-            <a:fld id="{96315243-4760-422B-B437-075A9FA63517}" type="datetime1">
-              <a:rPr lang="fr-FR" smtClean="0"/>
-              <a:t>23/06/2022</a:t>
+            <a:fld id="{5A39EC61-4FC5-4E8D-853E-11B8461B91D4}" type="datetime1">
+              <a:rPr lang="fr-FR" smtClean="0"/>
+              <a:t>05/06/2023</a:t>
             </a:fld>
             <a:endParaRPr lang="fr-FR" dirty="0"/>
           </a:p>
@@ -1587,7 +1587,7 @@
           <a:p>
             <a:r>
               <a:rPr lang="fr-FR" smtClean="0"/>
-              <a:t>F. Flamerie - Zotero+ - 2022-06-23</a:t>
+              <a:t>F. Flamerie - Zotero+ - 2023-04-05</a:t>
             </a:r>
             <a:endParaRPr lang="fr-FR" dirty="0"/>
           </a:p>
@@ -1834,9 +1834,9 @@
           <a:bodyPr/>
           <a:lstStyle/>
           <a:p>
-            <a:fld id="{819317FC-3EF5-4289-9360-D4B421FE1D7C}" type="datetime1">
-              <a:rPr lang="fr-FR" smtClean="0"/>
-              <a:t>23/06/2022</a:t>
+            <a:fld id="{83F4FBAC-D034-4326-BB80-40FB25FA9E0A}" type="datetime1">
+              <a:rPr lang="fr-FR" smtClean="0"/>
+              <a:t>05/06/2023</a:t>
             </a:fld>
             <a:endParaRPr lang="fr-FR"/>
           </a:p>
@@ -1859,7 +1859,7 @@
           <a:p>
             <a:r>
               <a:rPr lang="fr-FR" smtClean="0"/>
-              <a:t>F. Flamerie - Zotero+ - 2022-06-23</a:t>
+              <a:t>F. Flamerie - Zotero+ - 2023-04-05</a:t>
             </a:r>
             <a:endParaRPr lang="fr-FR"/>
           </a:p>
@@ -2142,9 +2142,9 @@
           <a:bodyPr/>
           <a:lstStyle/>
           <a:p>
-            <a:fld id="{E6C6AB36-15F6-4F78-B61C-65791353A0A4}" type="datetime1">
-              <a:rPr lang="fr-FR" smtClean="0"/>
-              <a:t>23/06/2022</a:t>
+            <a:fld id="{88549F50-937C-4CE3-B37A-C85E27B7A948}" type="datetime1">
+              <a:rPr lang="fr-FR" smtClean="0"/>
+              <a:t>05/06/2023</a:t>
             </a:fld>
             <a:endParaRPr lang="fr-FR"/>
           </a:p>
@@ -2167,7 +2167,7 @@
           <a:p>
             <a:r>
               <a:rPr lang="fr-FR" smtClean="0"/>
-              <a:t>F. Flamerie - Zotero+ - 2022-06-23</a:t>
+              <a:t>F. Flamerie - Zotero+ - 2023-04-05</a:t>
             </a:r>
             <a:endParaRPr lang="fr-FR"/>
           </a:p>
@@ -2521,9 +2521,9 @@
           <a:bodyPr/>
           <a:lstStyle/>
           <a:p>
-            <a:fld id="{5B368F2C-14CF-490F-A042-A04BB55769AE}" type="datetime1">
-              <a:rPr lang="fr-FR" smtClean="0"/>
-              <a:t>23/06/2022</a:t>
+            <a:fld id="{BB7EC8A0-B3BD-4184-892C-12F72C8BFBE7}" type="datetime1">
+              <a:rPr lang="fr-FR" smtClean="0"/>
+              <a:t>05/06/2023</a:t>
             </a:fld>
             <a:endParaRPr lang="fr-FR"/>
           </a:p>
@@ -2546,7 +2546,7 @@
           <a:p>
             <a:r>
               <a:rPr lang="fr-FR" smtClean="0"/>
-              <a:t>F. Flamerie - Zotero+ - 2022-06-23</a:t>
+              <a:t>F. Flamerie - Zotero+ - 2023-04-05</a:t>
             </a:r>
             <a:endParaRPr lang="fr-FR"/>
           </a:p>
@@ -2651,9 +2651,9 @@
           <a:bodyPr/>
           <a:lstStyle/>
           <a:p>
-            <a:fld id="{E7B8DF3E-8607-41BE-B5F7-0AE2D8EC0A0E}" type="datetime1">
-              <a:rPr lang="fr-FR" smtClean="0"/>
-              <a:t>23/06/2022</a:t>
+            <a:fld id="{A77FFEAE-2F82-4714-84C4-C0AB4CDE1C83}" type="datetime1">
+              <a:rPr lang="fr-FR" smtClean="0"/>
+              <a:t>05/06/2023</a:t>
             </a:fld>
             <a:endParaRPr lang="fr-FR"/>
           </a:p>
@@ -2676,7 +2676,7 @@
           <a:p>
             <a:r>
               <a:rPr lang="fr-FR" smtClean="0"/>
-              <a:t>F. Flamerie - Zotero+ - 2022-06-23</a:t>
+              <a:t>F. Flamerie - Zotero+ - 2023-04-05</a:t>
             </a:r>
             <a:endParaRPr lang="fr-FR"/>
           </a:p>
@@ -2758,9 +2758,9 @@
           <a:bodyPr/>
           <a:lstStyle/>
           <a:p>
-            <a:fld id="{7FB6DEAF-0049-4643-A2FF-C9D5A21BEFCD}" type="datetime1">
-              <a:rPr lang="fr-FR" smtClean="0"/>
-              <a:t>23/06/2022</a:t>
+            <a:fld id="{D9C98592-6C78-4EC9-91E7-0D219652C01D}" type="datetime1">
+              <a:rPr lang="fr-FR" smtClean="0"/>
+              <a:t>05/06/2023</a:t>
             </a:fld>
             <a:endParaRPr lang="fr-FR"/>
           </a:p>
@@ -2783,7 +2783,7 @@
           <a:p>
             <a:r>
               <a:rPr lang="fr-FR" smtClean="0"/>
-              <a:t>F. Flamerie - Zotero+ - 2022-06-23</a:t>
+              <a:t>F. Flamerie - Zotero+ - 2023-04-05</a:t>
             </a:r>
             <a:endParaRPr lang="fr-FR"/>
           </a:p>
@@ -3047,9 +3047,9 @@
           <a:bodyPr/>
           <a:lstStyle/>
           <a:p>
-            <a:fld id="{6A943422-CDCA-4318-9EAA-D5AF0ECC481F}" type="datetime1">
-              <a:rPr lang="fr-FR" smtClean="0"/>
-              <a:t>23/06/2022</a:t>
+            <a:fld id="{6D76E324-D58A-4A4C-B551-6B84C38127EC}" type="datetime1">
+              <a:rPr lang="fr-FR" smtClean="0"/>
+              <a:t>05/06/2023</a:t>
             </a:fld>
             <a:endParaRPr lang="fr-FR"/>
           </a:p>
@@ -3072,7 +3072,7 @@
           <a:p>
             <a:r>
               <a:rPr lang="fr-FR" smtClean="0"/>
-              <a:t>F. Flamerie - Zotero+ - 2022-06-23</a:t>
+              <a:t>F. Flamerie - Zotero+ - 2023-04-05</a:t>
             </a:r>
             <a:endParaRPr lang="fr-FR"/>
           </a:p>
@@ -3312,9 +3312,9 @@
           <a:bodyPr/>
           <a:lstStyle/>
           <a:p>
-            <a:fld id="{1B7A7572-28E2-42F8-B0DD-1BBACC73E44F}" type="datetime1">
-              <a:rPr lang="fr-FR" smtClean="0"/>
-              <a:t>23/06/2022</a:t>
+            <a:fld id="{7B95DD28-476F-40D6-B2B5-65B62DA732B6}" type="datetime1">
+              <a:rPr lang="fr-FR" smtClean="0"/>
+              <a:t>05/06/2023</a:t>
             </a:fld>
             <a:endParaRPr lang="fr-FR"/>
           </a:p>
@@ -3337,7 +3337,7 @@
           <a:p>
             <a:r>
               <a:rPr lang="fr-FR" smtClean="0"/>
-              <a:t>F. Flamerie - Zotero+ - 2022-06-23</a:t>
+              <a:t>F. Flamerie - Zotero+ - 2023-04-05</a:t>
             </a:r>
             <a:endParaRPr lang="fr-FR"/>
           </a:p>
@@ -3531,7 +3531,7 @@
           <a:p>
             <a:r>
               <a:rPr lang="fr-FR" smtClean="0"/>
-              <a:t>F. Flamerie - Zotero+ - 2022-06-23</a:t>
+              <a:t>F. Flamerie - Zotero+ - 2023-04-05</a:t>
             </a:r>
             <a:endParaRPr lang="fr-FR"/>
           </a:p>
@@ -4080,6 +4080,17 @@
           <a:lstStyle/>
           <a:p>
             <a:r>
+              <a:rPr lang="fr-FR" sz="1600" dirty="0" smtClean="0">
+                <a:solidFill>
+                  <a:schemeClr val="bg1">
+                    <a:lumMod val="50000"/>
+                  </a:schemeClr>
+                </a:solidFill>
+                <a:latin typeface="Corbel" panose="020B0503020204020204" pitchFamily="34" charset="0"/>
+              </a:rPr>
+              <a:t>Auteur : F. Flamerie - Ce </a:t>
+            </a:r>
+            <a:r>
               <a:rPr lang="fr-FR" sz="1600" dirty="0">
                 <a:solidFill>
                   <a:schemeClr val="bg1">
@@ -4088,7 +4099,7 @@
                 </a:solidFill>
                 <a:latin typeface="Corbel" panose="020B0503020204020204" pitchFamily="34" charset="0"/>
               </a:rPr>
-              <a:t>Ce contenu est mis à disposition selon les termes de la </a:t>
+              <a:t>contenu est mis à disposition selon les termes de la </a:t>
             </a:r>
             <a:r>
               <a:rPr lang="fr-FR" sz="1600" dirty="0">
@@ -4335,7 +4346,7 @@
           <a:p>
             <a:r>
               <a:rPr lang="fr-FR" smtClean="0"/>
-              <a:t>F. Flamerie - Zotero+ - 2022-06-23</a:t>
+              <a:t>F. Flamerie - Zotero+ - 2023-04-05</a:t>
             </a:r>
             <a:endParaRPr lang="fr-FR"/>
           </a:p>
@@ -4450,14 +4461,9 @@
               <a:t> </a:t>
             </a:r>
             <a:r>
-              <a:rPr lang="fr-FR" smtClean="0"/>
-              <a:t>Contact </a:t>
-            </a:r>
-            <a:r>
-              <a:rPr lang="fr-FR" smtClean="0"/>
-              <a:t>:</a:t>
-            </a:r>
-            <a:endParaRPr lang="fr-FR" dirty="0" smtClean="0"/>
+              <a:rPr lang="fr-FR" dirty="0" smtClean="0"/>
+              <a:t>Contact : doc.isped@u-bordeaux.fr</a:t>
+            </a:r>
           </a:p>
         </p:txBody>
       </p:sp>
@@ -4478,7 +4484,7 @@
           <a:p>
             <a:r>
               <a:rPr lang="fr-FR" smtClean="0"/>
-              <a:t>F. Flamerie - Zotero+ - 2022-06-23</a:t>
+              <a:t>F. Flamerie - Zotero+ - 2023-04-05</a:t>
             </a:r>
             <a:endParaRPr lang="fr-FR" dirty="0"/>
           </a:p>
@@ -4725,7 +4731,7 @@
           <a:p>
             <a:r>
               <a:rPr lang="fr-FR" smtClean="0"/>
-              <a:t>F. Flamerie - Zotero+ - 2022-06-23</a:t>
+              <a:t>F. Flamerie - Zotero+ - 2023-04-05</a:t>
             </a:r>
             <a:endParaRPr lang="fr-FR" dirty="0"/>
           </a:p>
@@ -4871,7 +4877,7 @@
           <a:p>
             <a:r>
               <a:rPr lang="fr-FR" smtClean="0"/>
-              <a:t>F. Flamerie - Zotero+ - 2022-06-23</a:t>
+              <a:t>F. Flamerie - Zotero+ - 2023-04-05</a:t>
             </a:r>
             <a:endParaRPr lang="fr-FR" dirty="0"/>
           </a:p>
@@ -5145,8 +5151,8 @@
           <a:lstStyle/>
           <a:p>
             <a:r>
-              <a:rPr lang="fr-FR" dirty="0" smtClean="0"/>
-              <a:t>F. Flamerie - Zotero+ - 2022-06-23</a:t>
+              <a:rPr lang="fr-FR" smtClean="0"/>
+              <a:t>F. Flamerie - Zotero+ - 2023-04-05</a:t>
             </a:r>
             <a:endParaRPr lang="fr-FR" dirty="0"/>
           </a:p>
@@ -5509,7 +5515,7 @@
           <a:p>
             <a:r>
               <a:rPr lang="fr-FR" smtClean="0"/>
-              <a:t>F. Flamerie - Zotero+ - 2022-06-23</a:t>
+              <a:t>F. Flamerie - Zotero+ - 2023-04-05</a:t>
             </a:r>
             <a:endParaRPr lang="fr-FR"/>
           </a:p>
@@ -5716,7 +5722,7 @@
           <a:p>
             <a:r>
               <a:rPr lang="fr-FR" smtClean="0"/>
-              <a:t>F. Flamerie - Zotero+ - 2022-06-23</a:t>
+              <a:t>F. Flamerie - Zotero+ - 2023-04-05</a:t>
             </a:r>
             <a:endParaRPr lang="fr-FR"/>
           </a:p>
@@ -5822,8 +5828,8 @@
         </p:nvSpPr>
         <p:spPr>
           <a:xfrm>
-            <a:off x="200700" y="1392310"/>
-            <a:ext cx="5109150" cy="5465690"/>
+            <a:off x="200699" y="1282282"/>
+            <a:ext cx="5297275" cy="5465690"/>
           </a:xfrm>
         </p:spPr>
         <p:txBody>
@@ -5891,12 +5897,38 @@
             </a:r>
             <a:r>
               <a:rPr lang="fr-FR" dirty="0"/>
-              <a:t>de menu contextuel de modifications automatiques des champs (« Transformer le texte » pour les titre, « Inverser nom/prénom », etc</a:t>
+              <a:t>de menu contextuel de modifications automatiques des </a:t>
             </a:r>
             <a:r>
               <a:rPr lang="fr-FR" dirty="0" smtClean="0"/>
-              <a:t>.).</a:t>
-            </a:r>
+              <a:t>champs</a:t>
+            </a:r>
+          </a:p>
+          <a:p>
+            <a:pPr lvl="1">
+              <a:lnSpc>
+                <a:spcPct val="120000"/>
+              </a:lnSpc>
+            </a:pPr>
+            <a:r>
+              <a:rPr lang="fr-FR" dirty="0" smtClean="0">
+                <a:hlinkClick r:id="rId2"/>
+              </a:rPr>
+              <a:t>Liste complète des différences dans la documentation </a:t>
+            </a:r>
+            <a:r>
+              <a:rPr lang="fr-FR" dirty="0" err="1" smtClean="0">
+                <a:hlinkClick r:id="rId2"/>
+              </a:rPr>
+              <a:t>Zotero</a:t>
+            </a:r>
+            <a:r>
+              <a:rPr lang="fr-FR" dirty="0" smtClean="0">
+                <a:hlinkClick r:id="rId2"/>
+              </a:rPr>
+              <a:t> </a:t>
+            </a:r>
+            <a:endParaRPr lang="fr-FR" dirty="0" smtClean="0"/>
           </a:p>
         </p:txBody>
       </p:sp>
@@ -5917,9 +5949,9 @@
           <a:p>
             <a:r>
               <a:rPr lang="fr-FR" smtClean="0"/>
-              <a:t>F. Flamerie - Zotero+ - 2022-06-23</a:t>
-            </a:r>
-            <a:endParaRPr lang="fr-FR"/>
+              <a:t>F. Flamerie - Zotero+ - 2023-04-05</a:t>
+            </a:r>
+            <a:endParaRPr lang="fr-FR" dirty="0"/>
           </a:p>
         </p:txBody>
       </p:sp>
@@ -5955,7 +5987,7 @@
           <p:nvPr/>
         </p:nvPicPr>
         <p:blipFill>
-          <a:blip r:embed="rId2">
+          <a:blip r:embed="rId3">
             <a:extLst>
               <a:ext uri="{28A0092B-C50C-407E-A947-70E740481C1C}">
                 <a14:useLocalDpi xmlns:a14="http://schemas.microsoft.com/office/drawing/2010/main" val="0"/>
@@ -5968,7 +6000,7 @@
         </p:blipFill>
         <p:spPr>
           <a:xfrm>
-            <a:off x="5767050" y="1392310"/>
+            <a:off x="5790199" y="1282282"/>
             <a:ext cx="6089670" cy="4230229"/>
           </a:xfrm>
           <a:prstGeom prst="rect">
@@ -6090,7 +6122,7 @@
           <a:p>
             <a:r>
               <a:rPr lang="fr-FR" smtClean="0"/>
-              <a:t>F. Flamerie - Zotero+ - 2022-06-23</a:t>
+              <a:t>F. Flamerie - Zotero+ - 2023-04-05</a:t>
             </a:r>
             <a:endParaRPr lang="fr-FR" dirty="0"/>
           </a:p>
@@ -6403,7 +6435,7 @@
           <a:p>
             <a:r>
               <a:rPr lang="fr-FR" smtClean="0"/>
-              <a:t>F. Flamerie - Zotero+ - 2022-06-23</a:t>
+              <a:t>F. Flamerie - Zotero+ - 2023-04-05</a:t>
             </a:r>
             <a:endParaRPr lang="fr-FR"/>
           </a:p>

--- a/docs/module2-2_zotero2.pptx
+++ b/docs/module2-2_zotero2.pptx
@@ -207,7 +207,7 @@
           <a:p>
             <a:fld id="{91E9DC1B-7AD4-4493-BE2D-19F04AF919E8}" type="datetimeFigureOut">
               <a:rPr lang="fr-FR" smtClean="0"/>
-              <a:t>05/06/2023</a:t>
+              <a:t>06/06/2024</a:t>
             </a:fld>
             <a:endParaRPr lang="fr-FR"/>
           </a:p>
@@ -956,9 +956,9 @@
           <a:bodyPr/>
           <a:lstStyle/>
           <a:p>
-            <a:fld id="{0A7F0A12-75A0-486A-B3DA-09649681BCFF}" type="datetime1">
-              <a:rPr lang="fr-FR" smtClean="0"/>
-              <a:t>05/06/2023</a:t>
+            <a:fld id="{4606B3EB-8116-4996-94EF-A8C0077856F8}" type="datetime1">
+              <a:rPr lang="fr-FR" smtClean="0"/>
+              <a:t>06/06/2024</a:t>
             </a:fld>
             <a:endParaRPr lang="fr-FR" dirty="0"/>
           </a:p>
@@ -981,7 +981,7 @@
           <a:p>
             <a:r>
               <a:rPr lang="fr-FR" smtClean="0"/>
-              <a:t>F. Flamerie - Zotero+ - 2023-04-05</a:t>
+              <a:t>F. Flamerie - Zotero+ - 2024-04-08</a:t>
             </a:r>
             <a:endParaRPr lang="fr-FR"/>
           </a:p>
@@ -1138,9 +1138,9 @@
           <a:bodyPr/>
           <a:lstStyle/>
           <a:p>
-            <a:fld id="{800D22CB-0157-4DCE-8490-5150F818F745}" type="datetime1">
-              <a:rPr lang="fr-FR" smtClean="0"/>
-              <a:t>05/06/2023</a:t>
+            <a:fld id="{99A683F3-2EA9-4F1C-8934-91524B6BA84B}" type="datetime1">
+              <a:rPr lang="fr-FR" smtClean="0"/>
+              <a:t>06/06/2024</a:t>
             </a:fld>
             <a:endParaRPr lang="fr-FR"/>
           </a:p>
@@ -1163,7 +1163,7 @@
           <a:p>
             <a:r>
               <a:rPr lang="fr-FR" smtClean="0"/>
-              <a:t>F. Flamerie - Zotero+ - 2023-04-05</a:t>
+              <a:t>F. Flamerie - Zotero+ - 2024-04-08</a:t>
             </a:r>
             <a:endParaRPr lang="fr-FR"/>
           </a:p>
@@ -1330,9 +1330,9 @@
           <a:bodyPr/>
           <a:lstStyle/>
           <a:p>
-            <a:fld id="{4F5F54B7-3018-4ADF-957E-E4FBA7296F99}" type="datetime1">
-              <a:rPr lang="fr-FR" smtClean="0"/>
-              <a:t>05/06/2023</a:t>
+            <a:fld id="{C70B9C89-E574-4760-BF84-101AB5A5DB65}" type="datetime1">
+              <a:rPr lang="fr-FR" smtClean="0"/>
+              <a:t>06/06/2024</a:t>
             </a:fld>
             <a:endParaRPr lang="fr-FR"/>
           </a:p>
@@ -1355,7 +1355,7 @@
           <a:p>
             <a:r>
               <a:rPr lang="fr-FR" smtClean="0"/>
-              <a:t>F. Flamerie - Zotero+ - 2023-04-05</a:t>
+              <a:t>F. Flamerie - Zotero+ - 2024-04-08</a:t>
             </a:r>
             <a:endParaRPr lang="fr-FR"/>
           </a:p>
@@ -1556,9 +1556,9 @@
             </a:lvl1pPr>
           </a:lstStyle>
           <a:p>
-            <a:fld id="{5A39EC61-4FC5-4E8D-853E-11B8461B91D4}" type="datetime1">
-              <a:rPr lang="fr-FR" smtClean="0"/>
-              <a:t>05/06/2023</a:t>
+            <a:fld id="{2944C42A-78BE-4990-88CB-DFCCA7811E3A}" type="datetime1">
+              <a:rPr lang="fr-FR" smtClean="0"/>
+              <a:t>06/06/2024</a:t>
             </a:fld>
             <a:endParaRPr lang="fr-FR" dirty="0"/>
           </a:p>
@@ -1587,7 +1587,7 @@
           <a:p>
             <a:r>
               <a:rPr lang="fr-FR" smtClean="0"/>
-              <a:t>F. Flamerie - Zotero+ - 2023-04-05</a:t>
+              <a:t>F. Flamerie - Zotero+ - 2024-04-08</a:t>
             </a:r>
             <a:endParaRPr lang="fr-FR" dirty="0"/>
           </a:p>
@@ -1834,9 +1834,9 @@
           <a:bodyPr/>
           <a:lstStyle/>
           <a:p>
-            <a:fld id="{83F4FBAC-D034-4326-BB80-40FB25FA9E0A}" type="datetime1">
-              <a:rPr lang="fr-FR" smtClean="0"/>
-              <a:t>05/06/2023</a:t>
+            <a:fld id="{06C88D38-F9FF-4BCB-B05A-B7F26F5A693D}" type="datetime1">
+              <a:rPr lang="fr-FR" smtClean="0"/>
+              <a:t>06/06/2024</a:t>
             </a:fld>
             <a:endParaRPr lang="fr-FR"/>
           </a:p>
@@ -1859,7 +1859,7 @@
           <a:p>
             <a:r>
               <a:rPr lang="fr-FR" smtClean="0"/>
-              <a:t>F. Flamerie - Zotero+ - 2023-04-05</a:t>
+              <a:t>F. Flamerie - Zotero+ - 2024-04-08</a:t>
             </a:r>
             <a:endParaRPr lang="fr-FR"/>
           </a:p>
@@ -2142,9 +2142,9 @@
           <a:bodyPr/>
           <a:lstStyle/>
           <a:p>
-            <a:fld id="{88549F50-937C-4CE3-B37A-C85E27B7A948}" type="datetime1">
-              <a:rPr lang="fr-FR" smtClean="0"/>
-              <a:t>05/06/2023</a:t>
+            <a:fld id="{0111D1EC-326E-4FAC-838F-FCEE81292AAE}" type="datetime1">
+              <a:rPr lang="fr-FR" smtClean="0"/>
+              <a:t>06/06/2024</a:t>
             </a:fld>
             <a:endParaRPr lang="fr-FR"/>
           </a:p>
@@ -2167,7 +2167,7 @@
           <a:p>
             <a:r>
               <a:rPr lang="fr-FR" smtClean="0"/>
-              <a:t>F. Flamerie - Zotero+ - 2023-04-05</a:t>
+              <a:t>F. Flamerie - Zotero+ - 2024-04-08</a:t>
             </a:r>
             <a:endParaRPr lang="fr-FR"/>
           </a:p>
@@ -2521,9 +2521,9 @@
           <a:bodyPr/>
           <a:lstStyle/>
           <a:p>
-            <a:fld id="{BB7EC8A0-B3BD-4184-892C-12F72C8BFBE7}" type="datetime1">
-              <a:rPr lang="fr-FR" smtClean="0"/>
-              <a:t>05/06/2023</a:t>
+            <a:fld id="{3B19DD7D-A71E-43EC-B18E-83174BCFF998}" type="datetime1">
+              <a:rPr lang="fr-FR" smtClean="0"/>
+              <a:t>06/06/2024</a:t>
             </a:fld>
             <a:endParaRPr lang="fr-FR"/>
           </a:p>
@@ -2546,7 +2546,7 @@
           <a:p>
             <a:r>
               <a:rPr lang="fr-FR" smtClean="0"/>
-              <a:t>F. Flamerie - Zotero+ - 2023-04-05</a:t>
+              <a:t>F. Flamerie - Zotero+ - 2024-04-08</a:t>
             </a:r>
             <a:endParaRPr lang="fr-FR"/>
           </a:p>
@@ -2651,9 +2651,9 @@
           <a:bodyPr/>
           <a:lstStyle/>
           <a:p>
-            <a:fld id="{A77FFEAE-2F82-4714-84C4-C0AB4CDE1C83}" type="datetime1">
-              <a:rPr lang="fr-FR" smtClean="0"/>
-              <a:t>05/06/2023</a:t>
+            <a:fld id="{148C3A6E-D69E-49FE-B6F9-3A32A220FF17}" type="datetime1">
+              <a:rPr lang="fr-FR" smtClean="0"/>
+              <a:t>06/06/2024</a:t>
             </a:fld>
             <a:endParaRPr lang="fr-FR"/>
           </a:p>
@@ -2676,7 +2676,7 @@
           <a:p>
             <a:r>
               <a:rPr lang="fr-FR" smtClean="0"/>
-              <a:t>F. Flamerie - Zotero+ - 2023-04-05</a:t>
+              <a:t>F. Flamerie - Zotero+ - 2024-04-08</a:t>
             </a:r>
             <a:endParaRPr lang="fr-FR"/>
           </a:p>
@@ -2758,9 +2758,9 @@
           <a:bodyPr/>
           <a:lstStyle/>
           <a:p>
-            <a:fld id="{D9C98592-6C78-4EC9-91E7-0D219652C01D}" type="datetime1">
-              <a:rPr lang="fr-FR" smtClean="0"/>
-              <a:t>05/06/2023</a:t>
+            <a:fld id="{A43778A0-0D56-4BB6-84D0-4A1D31DCCEE7}" type="datetime1">
+              <a:rPr lang="fr-FR" smtClean="0"/>
+              <a:t>06/06/2024</a:t>
             </a:fld>
             <a:endParaRPr lang="fr-FR"/>
           </a:p>
@@ -2783,7 +2783,7 @@
           <a:p>
             <a:r>
               <a:rPr lang="fr-FR" smtClean="0"/>
-              <a:t>F. Flamerie - Zotero+ - 2023-04-05</a:t>
+              <a:t>F. Flamerie - Zotero+ - 2024-04-08</a:t>
             </a:r>
             <a:endParaRPr lang="fr-FR"/>
           </a:p>
@@ -3047,9 +3047,9 @@
           <a:bodyPr/>
           <a:lstStyle/>
           <a:p>
-            <a:fld id="{6D76E324-D58A-4A4C-B551-6B84C38127EC}" type="datetime1">
-              <a:rPr lang="fr-FR" smtClean="0"/>
-              <a:t>05/06/2023</a:t>
+            <a:fld id="{7E1BA036-22BA-4661-A7A3-FAF248186AD8}" type="datetime1">
+              <a:rPr lang="fr-FR" smtClean="0"/>
+              <a:t>06/06/2024</a:t>
             </a:fld>
             <a:endParaRPr lang="fr-FR"/>
           </a:p>
@@ -3072,7 +3072,7 @@
           <a:p>
             <a:r>
               <a:rPr lang="fr-FR" smtClean="0"/>
-              <a:t>F. Flamerie - Zotero+ - 2023-04-05</a:t>
+              <a:t>F. Flamerie - Zotero+ - 2024-04-08</a:t>
             </a:r>
             <a:endParaRPr lang="fr-FR"/>
           </a:p>
@@ -3312,9 +3312,9 @@
           <a:bodyPr/>
           <a:lstStyle/>
           <a:p>
-            <a:fld id="{7B95DD28-476F-40D6-B2B5-65B62DA732B6}" type="datetime1">
-              <a:rPr lang="fr-FR" smtClean="0"/>
-              <a:t>05/06/2023</a:t>
+            <a:fld id="{CF8A163F-C710-403A-BB07-00188368C505}" type="datetime1">
+              <a:rPr lang="fr-FR" smtClean="0"/>
+              <a:t>06/06/2024</a:t>
             </a:fld>
             <a:endParaRPr lang="fr-FR"/>
           </a:p>
@@ -3337,7 +3337,7 @@
           <a:p>
             <a:r>
               <a:rPr lang="fr-FR" smtClean="0"/>
-              <a:t>F. Flamerie - Zotero+ - 2023-04-05</a:t>
+              <a:t>F. Flamerie - Zotero+ - 2024-04-08</a:t>
             </a:r>
             <a:endParaRPr lang="fr-FR"/>
           </a:p>
@@ -3531,7 +3531,7 @@
           <a:p>
             <a:r>
               <a:rPr lang="fr-FR" smtClean="0"/>
-              <a:t>F. Flamerie - Zotero+ - 2023-04-05</a:t>
+              <a:t>F. Flamerie - Zotero+ - 2024-04-08</a:t>
             </a:r>
             <a:endParaRPr lang="fr-FR"/>
           </a:p>
@@ -4080,17 +4080,6 @@
           <a:lstStyle/>
           <a:p>
             <a:r>
-              <a:rPr lang="fr-FR" sz="1600" dirty="0" smtClean="0">
-                <a:solidFill>
-                  <a:schemeClr val="bg1">
-                    <a:lumMod val="50000"/>
-                  </a:schemeClr>
-                </a:solidFill>
-                <a:latin typeface="Corbel" panose="020B0503020204020204" pitchFamily="34" charset="0"/>
-              </a:rPr>
-              <a:t>Auteur : F. Flamerie - Ce </a:t>
-            </a:r>
-            <a:r>
               <a:rPr lang="fr-FR" sz="1600" dirty="0">
                 <a:solidFill>
                   <a:schemeClr val="bg1">
@@ -4099,7 +4088,7 @@
                 </a:solidFill>
                 <a:latin typeface="Corbel" panose="020B0503020204020204" pitchFamily="34" charset="0"/>
               </a:rPr>
-              <a:t>contenu est mis à disposition selon les termes de la </a:t>
+              <a:t>Ce contenu est mis à disposition selon les termes de la </a:t>
             </a:r>
             <a:r>
               <a:rPr lang="fr-FR" sz="1600" dirty="0">
@@ -4346,7 +4335,7 @@
           <a:p>
             <a:r>
               <a:rPr lang="fr-FR" smtClean="0"/>
-              <a:t>F. Flamerie - Zotero+ - 2023-04-05</a:t>
+              <a:t>F. Flamerie - Zotero+ - 2024-04-08</a:t>
             </a:r>
             <a:endParaRPr lang="fr-FR"/>
           </a:p>
@@ -4484,7 +4473,7 @@
           <a:p>
             <a:r>
               <a:rPr lang="fr-FR" smtClean="0"/>
-              <a:t>F. Flamerie - Zotero+ - 2023-04-05</a:t>
+              <a:t>F. Flamerie - Zotero+ - 2024-04-08</a:t>
             </a:r>
             <a:endParaRPr lang="fr-FR" dirty="0"/>
           </a:p>
@@ -4731,7 +4720,7 @@
           <a:p>
             <a:r>
               <a:rPr lang="fr-FR" smtClean="0"/>
-              <a:t>F. Flamerie - Zotero+ - 2023-04-05</a:t>
+              <a:t>F. Flamerie - Zotero+ - 2024-04-08</a:t>
             </a:r>
             <a:endParaRPr lang="fr-FR" dirty="0"/>
           </a:p>
@@ -4877,7 +4866,7 @@
           <a:p>
             <a:r>
               <a:rPr lang="fr-FR" smtClean="0"/>
-              <a:t>F. Flamerie - Zotero+ - 2023-04-05</a:t>
+              <a:t>F. Flamerie - Zotero+ - 2024-04-08</a:t>
             </a:r>
             <a:endParaRPr lang="fr-FR" dirty="0"/>
           </a:p>
@@ -5152,7 +5141,7 @@
           <a:p>
             <a:r>
               <a:rPr lang="fr-FR" smtClean="0"/>
-              <a:t>F. Flamerie - Zotero+ - 2023-04-05</a:t>
+              <a:t>F. Flamerie - Zotero+ - 2024-04-08</a:t>
             </a:r>
             <a:endParaRPr lang="fr-FR" dirty="0"/>
           </a:p>
@@ -5515,7 +5504,7 @@
           <a:p>
             <a:r>
               <a:rPr lang="fr-FR" smtClean="0"/>
-              <a:t>F. Flamerie - Zotero+ - 2023-04-05</a:t>
+              <a:t>F. Flamerie - Zotero+ - 2024-04-08</a:t>
             </a:r>
             <a:endParaRPr lang="fr-FR"/>
           </a:p>
@@ -5722,7 +5711,7 @@
           <a:p>
             <a:r>
               <a:rPr lang="fr-FR" smtClean="0"/>
-              <a:t>F. Flamerie - Zotero+ - 2023-04-05</a:t>
+              <a:t>F. Flamerie - Zotero+ - 2024-04-08</a:t>
             </a:r>
             <a:endParaRPr lang="fr-FR"/>
           </a:p>
@@ -5901,7 +5890,7 @@
             </a:r>
             <a:r>
               <a:rPr lang="fr-FR" dirty="0" smtClean="0"/>
-              <a:t>champs</a:t>
+              <a:t>champs, etc.</a:t>
             </a:r>
           </a:p>
           <a:p>
@@ -5949,7 +5938,7 @@
           <a:p>
             <a:r>
               <a:rPr lang="fr-FR" smtClean="0"/>
-              <a:t>F. Flamerie - Zotero+ - 2023-04-05</a:t>
+              <a:t>F. Flamerie - Zotero+ - 2024-04-08</a:t>
             </a:r>
             <a:endParaRPr lang="fr-FR" dirty="0"/>
           </a:p>
@@ -6122,7 +6111,7 @@
           <a:p>
             <a:r>
               <a:rPr lang="fr-FR" smtClean="0"/>
-              <a:t>F. Flamerie - Zotero+ - 2023-04-05</a:t>
+              <a:t>F. Flamerie - Zotero+ - 2024-04-08</a:t>
             </a:r>
             <a:endParaRPr lang="fr-FR" dirty="0"/>
           </a:p>
@@ -6435,7 +6424,7 @@
           <a:p>
             <a:r>
               <a:rPr lang="fr-FR" smtClean="0"/>
-              <a:t>F. Flamerie - Zotero+ - 2023-04-05</a:t>
+              <a:t>F. Flamerie - Zotero+ - 2024-04-08</a:t>
             </a:r>
             <a:endParaRPr lang="fr-FR"/>
           </a:p>
